--- a/All Graphs.pptx
+++ b/All Graphs.pptx
@@ -5,21 +5,23 @@
     <p:sldMasterId id="2147483648" r:id="rId1"/>
   </p:sldMasterIdLst>
   <p:notesMasterIdLst>
-    <p:notesMasterId r:id="rId14"/>
+    <p:notesMasterId r:id="rId16"/>
   </p:notesMasterIdLst>
   <p:sldIdLst>
     <p:sldId id="265" r:id="rId2"/>
     <p:sldId id="266" r:id="rId3"/>
     <p:sldId id="268" r:id="rId4"/>
-    <p:sldId id="256" r:id="rId5"/>
-    <p:sldId id="257" r:id="rId6"/>
-    <p:sldId id="258" r:id="rId7"/>
-    <p:sldId id="264" r:id="rId8"/>
-    <p:sldId id="270" r:id="rId9"/>
-    <p:sldId id="263" r:id="rId10"/>
-    <p:sldId id="262" r:id="rId11"/>
-    <p:sldId id="267" r:id="rId12"/>
-    <p:sldId id="269" r:id="rId13"/>
+    <p:sldId id="271" r:id="rId5"/>
+    <p:sldId id="256" r:id="rId6"/>
+    <p:sldId id="257" r:id="rId7"/>
+    <p:sldId id="258" r:id="rId8"/>
+    <p:sldId id="264" r:id="rId9"/>
+    <p:sldId id="270" r:id="rId10"/>
+    <p:sldId id="272" r:id="rId11"/>
+    <p:sldId id="262" r:id="rId12"/>
+    <p:sldId id="267" r:id="rId13"/>
+    <p:sldId id="269" r:id="rId14"/>
+    <p:sldId id="273" r:id="rId15"/>
   </p:sldIdLst>
   <p:sldSz cx="12192000" cy="6858000"/>
   <p:notesSz cx="6858000" cy="9144000"/>
@@ -8965,7 +8967,7 @@
           <a:p>
             <a:fld id="{AF2D2FD3-2907-4D79-A0D4-D567D35BB1CE}" type="slidenum">
               <a:rPr lang="en-US" smtClean="0"/>
-              <a:t>4</a:t>
+              <a:t>5</a:t>
             </a:fld>
             <a:endParaRPr lang="en-US"/>
           </a:p>
@@ -9060,7 +9062,7 @@
           <a:p>
             <a:fld id="{AF2D2FD3-2907-4D79-A0D4-D567D35BB1CE}" type="slidenum">
               <a:rPr lang="en-US" smtClean="0"/>
-              <a:t>5</a:t>
+              <a:t>6</a:t>
             </a:fld>
             <a:endParaRPr lang="en-US"/>
           </a:p>
@@ -9147,7 +9149,7 @@
           <a:p>
             <a:fld id="{AF2D2FD3-2907-4D79-A0D4-D567D35BB1CE}" type="slidenum">
               <a:rPr lang="en-US" smtClean="0"/>
-              <a:t>6</a:t>
+              <a:t>7</a:t>
             </a:fld>
             <a:endParaRPr lang="en-US"/>
           </a:p>
@@ -9234,7 +9236,7 @@
           <a:p>
             <a:fld id="{AF2D2FD3-2907-4D79-A0D4-D567D35BB1CE}" type="slidenum">
               <a:rPr lang="en-US" smtClean="0"/>
-              <a:t>7</a:t>
+              <a:t>8</a:t>
             </a:fld>
             <a:endParaRPr lang="en-US"/>
           </a:p>
@@ -9254,93 +9256,6 @@
 </file>
 
 <file path=ppt/notesSlides/notesSlide5.xml><?xml version="1.0" encoding="utf-8"?>
-<p:notes xmlns:a="http://schemas.openxmlformats.org/drawingml/2006/main" xmlns:r="http://schemas.openxmlformats.org/officeDocument/2006/relationships" xmlns:p="http://schemas.openxmlformats.org/presentationml/2006/main">
-  <p:cSld>
-    <p:spTree>
-      <p:nvGrpSpPr>
-        <p:cNvPr id="1" name=""/>
-        <p:cNvGrpSpPr/>
-        <p:nvPr/>
-      </p:nvGrpSpPr>
-      <p:grpSpPr>
-        <a:xfrm>
-          <a:off x="0" y="0"/>
-          <a:ext cx="0" cy="0"/>
-          <a:chOff x="0" y="0"/>
-          <a:chExt cx="0" cy="0"/>
-        </a:xfrm>
-      </p:grpSpPr>
-      <p:sp>
-        <p:nvSpPr>
-          <p:cNvPr id="2" name="Slide Image Placeholder 1"/>
-          <p:cNvSpPr>
-            <a:spLocks noGrp="1" noRot="1" noChangeAspect="1"/>
-          </p:cNvSpPr>
-          <p:nvPr>
-            <p:ph type="sldImg"/>
-          </p:nvPr>
-        </p:nvSpPr>
-        <p:spPr/>
-      </p:sp>
-      <p:sp>
-        <p:nvSpPr>
-          <p:cNvPr id="3" name="Notes Placeholder 2"/>
-          <p:cNvSpPr>
-            <a:spLocks noGrp="1"/>
-          </p:cNvSpPr>
-          <p:nvPr>
-            <p:ph type="body" idx="1"/>
-          </p:nvPr>
-        </p:nvSpPr>
-        <p:spPr/>
-        <p:txBody>
-          <a:bodyPr/>
-          <a:lstStyle/>
-          <a:p>
-            <a:r>
-              <a:rPr lang="en-US" dirty="0"/>
-              <a:t>MAPE for all systems &amp; all models &amp; all years, can also be organized with models on the x axis and hue as systems (shown on next slide)</a:t>
-            </a:r>
-          </a:p>
-        </p:txBody>
-      </p:sp>
-      <p:sp>
-        <p:nvSpPr>
-          <p:cNvPr id="4" name="Slide Number Placeholder 3"/>
-          <p:cNvSpPr>
-            <a:spLocks noGrp="1"/>
-          </p:cNvSpPr>
-          <p:nvPr>
-            <p:ph type="sldNum" sz="quarter" idx="5"/>
-          </p:nvPr>
-        </p:nvSpPr>
-        <p:spPr/>
-        <p:txBody>
-          <a:bodyPr/>
-          <a:lstStyle/>
-          <a:p>
-            <a:fld id="{AF2D2FD3-2907-4D79-A0D4-D567D35BB1CE}" type="slidenum">
-              <a:rPr lang="en-US" smtClean="0"/>
-              <a:t>9</a:t>
-            </a:fld>
-            <a:endParaRPr lang="en-US"/>
-          </a:p>
-        </p:txBody>
-      </p:sp>
-    </p:spTree>
-    <p:extLst>
-      <p:ext uri="{BB962C8B-B14F-4D97-AF65-F5344CB8AC3E}">
-        <p14:creationId xmlns:p14="http://schemas.microsoft.com/office/powerpoint/2010/main" val="766588014"/>
-      </p:ext>
-    </p:extLst>
-  </p:cSld>
-  <p:clrMapOvr>
-    <a:masterClrMapping/>
-  </p:clrMapOvr>
-</p:notes>
-</file>
-
-<file path=ppt/notesSlides/notesSlide6.xml><?xml version="1.0" encoding="utf-8"?>
 <p:notes xmlns:a="http://schemas.openxmlformats.org/drawingml/2006/main" xmlns:r="http://schemas.openxmlformats.org/officeDocument/2006/relationships" xmlns:p="http://schemas.openxmlformats.org/presentationml/2006/main">
   <p:cSld>
     <p:spTree>
@@ -9408,7 +9323,7 @@
           <a:p>
             <a:fld id="{AF2D2FD3-2907-4D79-A0D4-D567D35BB1CE}" type="slidenum">
               <a:rPr lang="en-US" smtClean="0"/>
-              <a:t>11</a:t>
+              <a:t>12</a:t>
             </a:fld>
             <a:endParaRPr lang="en-US"/>
           </a:p>
@@ -12654,13 +12569,13 @@
           <p:nvPr>
             <p:extLst>
               <p:ext uri="{D42A27DB-BD31-4B8C-83A1-F6EECF244321}">
-                <p14:modId xmlns:p14="http://schemas.microsoft.com/office/powerpoint/2010/main" val="71905914"/>
+                <p14:modId xmlns:p14="http://schemas.microsoft.com/office/powerpoint/2010/main" val="305665251"/>
               </p:ext>
             </p:extLst>
           </p:nvPr>
         </p:nvGraphicFramePr>
         <p:xfrm>
-          <a:off x="1746309" y="92804"/>
+          <a:off x="130573" y="190459"/>
           <a:ext cx="8699382" cy="6417577"/>
         </p:xfrm>
         <a:graphic>
@@ -12682,13 +12597,13 @@
           <p:nvPr>
             <p:extLst>
               <p:ext uri="{D42A27DB-BD31-4B8C-83A1-F6EECF244321}">
-                <p14:modId xmlns:p14="http://schemas.microsoft.com/office/powerpoint/2010/main" val="565307078"/>
+                <p14:modId xmlns:p14="http://schemas.microsoft.com/office/powerpoint/2010/main" val="2158358023"/>
               </p:ext>
             </p:extLst>
           </p:nvPr>
         </p:nvGraphicFramePr>
         <p:xfrm>
-          <a:off x="1746309" y="2274466"/>
+          <a:off x="130573" y="2372121"/>
           <a:ext cx="8699382" cy="6417577"/>
         </p:xfrm>
         <a:graphic>
@@ -12710,13 +12625,13 @@
           <p:nvPr>
             <p:extLst>
               <p:ext uri="{D42A27DB-BD31-4B8C-83A1-F6EECF244321}">
-                <p14:modId xmlns:p14="http://schemas.microsoft.com/office/powerpoint/2010/main" val="947727981"/>
+                <p14:modId xmlns:p14="http://schemas.microsoft.com/office/powerpoint/2010/main" val="2250202527"/>
               </p:ext>
             </p:extLst>
           </p:nvPr>
         </p:nvGraphicFramePr>
         <p:xfrm>
-          <a:off x="1746309" y="-2088859"/>
+          <a:off x="130573" y="-1991204"/>
           <a:ext cx="8699382" cy="6417577"/>
         </p:xfrm>
         <a:graphic>
@@ -12739,7 +12654,7 @@
         </p:nvSpPr>
         <p:spPr>
           <a:xfrm>
-            <a:off x="1746309" y="162954"/>
+            <a:off x="130573" y="260609"/>
             <a:ext cx="2286000" cy="369332"/>
           </a:xfrm>
           <a:prstGeom prst="rect">
@@ -12778,7 +12693,7 @@
         </p:nvSpPr>
         <p:spPr>
           <a:xfrm>
-            <a:off x="1746309" y="2415510"/>
+            <a:off x="130573" y="2513165"/>
             <a:ext cx="2286000" cy="369332"/>
           </a:xfrm>
           <a:prstGeom prst="rect">
@@ -12822,7 +12737,7 @@
         </p:nvSpPr>
         <p:spPr>
           <a:xfrm>
-            <a:off x="1746309" y="4597172"/>
+            <a:off x="130573" y="4694827"/>
             <a:ext cx="2286000" cy="369332"/>
           </a:xfrm>
           <a:prstGeom prst="rect">
@@ -12882,7 +12797,7 @@
           <p:cNvPr id="3" name="Picture 2">
             <a:extLst>
               <a:ext uri="{FF2B5EF4-FFF2-40B4-BE49-F238E27FC236}">
-                <a16:creationId xmlns:a16="http://schemas.microsoft.com/office/drawing/2014/main" id="{62F604BB-EAA8-4FD7-B229-25BA48AF8DBC}"/>
+                <a16:creationId xmlns:a16="http://schemas.microsoft.com/office/drawing/2014/main" id="{F5628592-DCCD-49CA-A442-0AFAC6EB421D}"/>
               </a:ext>
             </a:extLst>
           </p:cNvPr>
@@ -12905,8 +12820,74 @@
         </p:blipFill>
         <p:spPr>
           <a:xfrm>
-            <a:off x="711873" y="622651"/>
-            <a:ext cx="10768254" cy="5612698"/>
+            <a:off x="654730" y="622651"/>
+            <a:ext cx="10882539" cy="5612698"/>
+          </a:xfrm>
+          <a:prstGeom prst="rect">
+            <a:avLst/>
+          </a:prstGeom>
+        </p:spPr>
+      </p:pic>
+    </p:spTree>
+    <p:extLst>
+      <p:ext uri="{BB962C8B-B14F-4D97-AF65-F5344CB8AC3E}">
+        <p14:creationId xmlns:p14="http://schemas.microsoft.com/office/powerpoint/2010/main" val="462267371"/>
+      </p:ext>
+    </p:extLst>
+  </p:cSld>
+  <p:clrMapOvr>
+    <a:masterClrMapping/>
+  </p:clrMapOvr>
+</p:sld>
+</file>
+
+<file path=ppt/slides/slide11.xml><?xml version="1.0" encoding="utf-8"?>
+<p:sld xmlns:a="http://schemas.openxmlformats.org/drawingml/2006/main" xmlns:r="http://schemas.openxmlformats.org/officeDocument/2006/relationships" xmlns:p="http://schemas.openxmlformats.org/presentationml/2006/main">
+  <p:cSld>
+    <p:spTree>
+      <p:nvGrpSpPr>
+        <p:cNvPr id="1" name=""/>
+        <p:cNvGrpSpPr/>
+        <p:nvPr/>
+      </p:nvGrpSpPr>
+      <p:grpSpPr>
+        <a:xfrm>
+          <a:off x="0" y="0"/>
+          <a:ext cx="0" cy="0"/>
+          <a:chOff x="0" y="0"/>
+          <a:chExt cx="0" cy="0"/>
+        </a:xfrm>
+      </p:grpSpPr>
+      <p:pic>
+        <p:nvPicPr>
+          <p:cNvPr id="4" name="Picture 3">
+            <a:extLst>
+              <a:ext uri="{FF2B5EF4-FFF2-40B4-BE49-F238E27FC236}">
+                <a16:creationId xmlns:a16="http://schemas.microsoft.com/office/drawing/2014/main" id="{819118B0-8248-44BA-80C0-815763ADF78D}"/>
+              </a:ext>
+            </a:extLst>
+          </p:cNvPr>
+          <p:cNvPicPr>
+            <a:picLocks noChangeAspect="1"/>
+          </p:cNvPicPr>
+          <p:nvPr/>
+        </p:nvPicPr>
+        <p:blipFill>
+          <a:blip r:embed="rId2">
+            <a:extLst>
+              <a:ext uri="{28A0092B-C50C-407E-A947-70E740481C1C}">
+                <a14:useLocalDpi xmlns:a14="http://schemas.microsoft.com/office/drawing/2010/main" val="0"/>
+              </a:ext>
+            </a:extLst>
+          </a:blip>
+          <a:stretch>
+            <a:fillRect/>
+          </a:stretch>
+        </p:blipFill>
+        <p:spPr>
+          <a:xfrm>
+            <a:off x="654730" y="622651"/>
+            <a:ext cx="10882539" cy="5612698"/>
           </a:xfrm>
           <a:prstGeom prst="rect">
             <a:avLst/>
@@ -12926,7 +12907,7 @@
 </p:sld>
 </file>
 
-<file path=ppt/slides/slide11.xml><?xml version="1.0" encoding="utf-8"?>
+<file path=ppt/slides/slide12.xml><?xml version="1.0" encoding="utf-8"?>
 <p:sld xmlns:a="http://schemas.openxmlformats.org/drawingml/2006/main" xmlns:r="http://schemas.openxmlformats.org/officeDocument/2006/relationships" xmlns:p="http://schemas.openxmlformats.org/presentationml/2006/main">
   <p:cSld>
     <p:spTree>
@@ -12992,7 +12973,7 @@
 </p:sld>
 </file>
 
-<file path=ppt/slides/slide12.xml><?xml version="1.0" encoding="utf-8"?>
+<file path=ppt/slides/slide13.xml><?xml version="1.0" encoding="utf-8"?>
 <p:sld xmlns:a="http://schemas.openxmlformats.org/drawingml/2006/main" xmlns:r="http://schemas.openxmlformats.org/officeDocument/2006/relationships" xmlns:p="http://schemas.openxmlformats.org/presentationml/2006/main">
   <p:cSld>
     <p:spTree>
@@ -13058,6 +13039,72 @@
 </p:sld>
 </file>
 
+<file path=ppt/slides/slide14.xml><?xml version="1.0" encoding="utf-8"?>
+<p:sld xmlns:a="http://schemas.openxmlformats.org/drawingml/2006/main" xmlns:r="http://schemas.openxmlformats.org/officeDocument/2006/relationships" xmlns:p="http://schemas.openxmlformats.org/presentationml/2006/main">
+  <p:cSld>
+    <p:spTree>
+      <p:nvGrpSpPr>
+        <p:cNvPr id="1" name=""/>
+        <p:cNvGrpSpPr/>
+        <p:nvPr/>
+      </p:nvGrpSpPr>
+      <p:grpSpPr>
+        <a:xfrm>
+          <a:off x="0" y="0"/>
+          <a:ext cx="0" cy="0"/>
+          <a:chOff x="0" y="0"/>
+          <a:chExt cx="0" cy="0"/>
+        </a:xfrm>
+      </p:grpSpPr>
+      <p:pic>
+        <p:nvPicPr>
+          <p:cNvPr id="3" name="Picture 2">
+            <a:extLst>
+              <a:ext uri="{FF2B5EF4-FFF2-40B4-BE49-F238E27FC236}">
+                <a16:creationId xmlns:a16="http://schemas.microsoft.com/office/drawing/2014/main" id="{7B125E21-BFED-4B63-A87E-3AF0D62859F5}"/>
+              </a:ext>
+            </a:extLst>
+          </p:cNvPr>
+          <p:cNvPicPr>
+            <a:picLocks noChangeAspect="1"/>
+          </p:cNvPicPr>
+          <p:nvPr/>
+        </p:nvPicPr>
+        <p:blipFill>
+          <a:blip r:embed="rId2">
+            <a:extLst>
+              <a:ext uri="{28A0092B-C50C-407E-A947-70E740481C1C}">
+                <a14:useLocalDpi xmlns:a14="http://schemas.microsoft.com/office/drawing/2010/main" val="0"/>
+              </a:ext>
+            </a:extLst>
+          </a:blip>
+          <a:stretch>
+            <a:fillRect/>
+          </a:stretch>
+        </p:blipFill>
+        <p:spPr>
+          <a:xfrm>
+            <a:off x="711873" y="622651"/>
+            <a:ext cx="10768254" cy="5612698"/>
+          </a:xfrm>
+          <a:prstGeom prst="rect">
+            <a:avLst/>
+          </a:prstGeom>
+        </p:spPr>
+      </p:pic>
+    </p:spTree>
+    <p:extLst>
+      <p:ext uri="{BB962C8B-B14F-4D97-AF65-F5344CB8AC3E}">
+        <p14:creationId xmlns:p14="http://schemas.microsoft.com/office/powerpoint/2010/main" val="3040938375"/>
+      </p:ext>
+    </p:extLst>
+  </p:cSld>
+  <p:clrMapOvr>
+    <a:masterClrMapping/>
+  </p:clrMapOvr>
+</p:sld>
+</file>
+
 <file path=ppt/slides/slide2.xml><?xml version="1.0" encoding="utf-8"?>
 <p:sld xmlns:a="http://schemas.openxmlformats.org/drawingml/2006/main" xmlns:r="http://schemas.openxmlformats.org/officeDocument/2006/relationships" xmlns:p="http://schemas.openxmlformats.org/presentationml/2006/main">
   <p:cSld>
@@ -13090,7 +13137,7 @@
           <p:nvPr>
             <p:extLst>
               <p:ext uri="{D42A27DB-BD31-4B8C-83A1-F6EECF244321}">
-                <p14:modId xmlns:p14="http://schemas.microsoft.com/office/powerpoint/2010/main" val="3129939130"/>
+                <p14:modId xmlns:p14="http://schemas.microsoft.com/office/powerpoint/2010/main" val="1641434869"/>
               </p:ext>
             </p:extLst>
           </p:nvPr>
@@ -16577,6 +16624,485 @@
           <a:chExt cx="0" cy="0"/>
         </a:xfrm>
       </p:grpSpPr>
+      <p:graphicFrame>
+        <p:nvGraphicFramePr>
+          <p:cNvPr id="3" name="Table 2">
+            <a:extLst>
+              <a:ext uri="{FF2B5EF4-FFF2-40B4-BE49-F238E27FC236}">
+                <a16:creationId xmlns:a16="http://schemas.microsoft.com/office/drawing/2014/main" id="{A32501CF-A244-402D-8844-E0335FF185F0}"/>
+              </a:ext>
+            </a:extLst>
+          </p:cNvPr>
+          <p:cNvGraphicFramePr>
+            <a:graphicFrameLocks noGrp="1"/>
+          </p:cNvGraphicFramePr>
+          <p:nvPr>
+            <p:extLst>
+              <p:ext uri="{D42A27DB-BD31-4B8C-83A1-F6EECF244321}">
+                <p14:modId xmlns:p14="http://schemas.microsoft.com/office/powerpoint/2010/main" val="89876074"/>
+              </p:ext>
+            </p:extLst>
+          </p:nvPr>
+        </p:nvGraphicFramePr>
+        <p:xfrm>
+          <a:off x="365958" y="1328904"/>
+          <a:ext cx="4555230" cy="3840480"/>
+        </p:xfrm>
+        <a:graphic>
+          <a:graphicData uri="http://schemas.openxmlformats.org/drawingml/2006/table">
+            <a:tbl>
+              <a:tblPr firstRow="1" bandRow="1">
+                <a:tableStyleId>{8799B23B-EC83-4686-B30A-512413B5E67A}</a:tableStyleId>
+              </a:tblPr>
+              <a:tblGrid>
+                <a:gridCol w="1518410">
+                  <a:extLst>
+                    <a:ext uri="{9D8B030D-6E8A-4147-A177-3AD203B41FA5}">
+                      <a16:colId xmlns:a16="http://schemas.microsoft.com/office/drawing/2014/main" val="2668973418"/>
+                    </a:ext>
+                  </a:extLst>
+                </a:gridCol>
+                <a:gridCol w="1518410">
+                  <a:extLst>
+                    <a:ext uri="{9D8B030D-6E8A-4147-A177-3AD203B41FA5}">
+                      <a16:colId xmlns:a16="http://schemas.microsoft.com/office/drawing/2014/main" val="2422759169"/>
+                    </a:ext>
+                  </a:extLst>
+                </a:gridCol>
+                <a:gridCol w="1518410">
+                  <a:extLst>
+                    <a:ext uri="{9D8B030D-6E8A-4147-A177-3AD203B41FA5}">
+                      <a16:colId xmlns:a16="http://schemas.microsoft.com/office/drawing/2014/main" val="4153020632"/>
+                    </a:ext>
+                  </a:extLst>
+                </a:gridCol>
+              </a:tblGrid>
+              <a:tr h="370840">
+                <a:tc>
+                  <a:txBody>
+                    <a:bodyPr/>
+                    <a:lstStyle/>
+                    <a:p>
+                      <a:pPr algn="ctr"/>
+                      <a:r>
+                        <a:rPr lang="en-US" dirty="0">
+                          <a:latin typeface="Times New Roman" panose="02020603050405020304" pitchFamily="18" charset="0"/>
+                          <a:ea typeface="Cambria Math" panose="02040503050406030204" pitchFamily="18" charset="0"/>
+                          <a:cs typeface="Times New Roman" panose="02020603050405020304" pitchFamily="18" charset="0"/>
+                        </a:rPr>
+                        <a:t>Filter Parameter</a:t>
+                      </a:r>
+                    </a:p>
+                  </a:txBody>
+                  <a:tcPr anchor="ctr"/>
+                </a:tc>
+                <a:tc>
+                  <a:txBody>
+                    <a:bodyPr/>
+                    <a:lstStyle/>
+                    <a:p>
+                      <a:pPr algn="ctr"/>
+                      <a:r>
+                        <a:rPr lang="en-US" dirty="0">
+                          <a:latin typeface="Times New Roman" panose="02020603050405020304" pitchFamily="18" charset="0"/>
+                          <a:ea typeface="Cambria Math" panose="02040503050406030204" pitchFamily="18" charset="0"/>
+                          <a:cs typeface="Times New Roman" panose="02020603050405020304" pitchFamily="18" charset="0"/>
+                        </a:rPr>
+                        <a:t>Lower Bound</a:t>
+                      </a:r>
+                    </a:p>
+                  </a:txBody>
+                  <a:tcPr anchor="ctr"/>
+                </a:tc>
+                <a:tc>
+                  <a:txBody>
+                    <a:bodyPr/>
+                    <a:lstStyle/>
+                    <a:p>
+                      <a:pPr algn="ctr"/>
+                      <a:r>
+                        <a:rPr lang="en-US" dirty="0">
+                          <a:latin typeface="Times New Roman" panose="02020603050405020304" pitchFamily="18" charset="0"/>
+                          <a:ea typeface="Cambria Math" panose="02040503050406030204" pitchFamily="18" charset="0"/>
+                          <a:cs typeface="Times New Roman" panose="02020603050405020304" pitchFamily="18" charset="0"/>
+                        </a:rPr>
+                        <a:t>Upper Bound</a:t>
+                      </a:r>
+                    </a:p>
+                  </a:txBody>
+                  <a:tcPr anchor="ctr"/>
+                </a:tc>
+                <a:extLst>
+                  <a:ext uri="{0D108BD9-81ED-4DB2-BD59-A6C34878D82A}">
+                    <a16:rowId xmlns:a16="http://schemas.microsoft.com/office/drawing/2014/main" val="3289899833"/>
+                  </a:ext>
+                </a:extLst>
+              </a:tr>
+              <a:tr h="370840">
+                <a:tc>
+                  <a:txBody>
+                    <a:bodyPr/>
+                    <a:lstStyle/>
+                    <a:p>
+                      <a:pPr algn="ctr"/>
+                      <a:r>
+                        <a:rPr lang="en-US" dirty="0">
+                          <a:latin typeface="Times New Roman" panose="02020603050405020304" pitchFamily="18" charset="0"/>
+                          <a:ea typeface="Cambria Math" panose="02040503050406030204" pitchFamily="18" charset="0"/>
+                          <a:cs typeface="Times New Roman" panose="02020603050405020304" pitchFamily="18" charset="0"/>
+                        </a:rPr>
+                        <a:t>Solar Elevation</a:t>
+                      </a:r>
+                    </a:p>
+                  </a:txBody>
+                  <a:tcPr anchor="ctr"/>
+                </a:tc>
+                <a:tc>
+                  <a:txBody>
+                    <a:bodyPr/>
+                    <a:lstStyle/>
+                    <a:p>
+                      <a:pPr algn="ctr"/>
+                      <a:r>
+                        <a:rPr lang="en-US" dirty="0">
+                          <a:latin typeface="Times New Roman" panose="02020603050405020304" pitchFamily="18" charset="0"/>
+                          <a:ea typeface="Cambria Math" panose="02040503050406030204" pitchFamily="18" charset="0"/>
+                          <a:cs typeface="Times New Roman" panose="02020603050405020304" pitchFamily="18" charset="0"/>
+                        </a:rPr>
+                        <a:t>15 deg</a:t>
+                      </a:r>
+                    </a:p>
+                  </a:txBody>
+                  <a:tcPr anchor="ctr"/>
+                </a:tc>
+                <a:tc>
+                  <a:txBody>
+                    <a:bodyPr/>
+                    <a:lstStyle/>
+                    <a:p>
+                      <a:pPr algn="ctr"/>
+                      <a:r>
+                        <a:rPr lang="en-US" dirty="0">
+                          <a:latin typeface="Times New Roman" panose="02020603050405020304" pitchFamily="18" charset="0"/>
+                          <a:ea typeface="Cambria Math" panose="02040503050406030204" pitchFamily="18" charset="0"/>
+                          <a:cs typeface="Times New Roman" panose="02020603050405020304" pitchFamily="18" charset="0"/>
+                        </a:rPr>
+                        <a:t>90 deg</a:t>
+                      </a:r>
+                    </a:p>
+                  </a:txBody>
+                  <a:tcPr anchor="ctr"/>
+                </a:tc>
+                <a:extLst>
+                  <a:ext uri="{0D108BD9-81ED-4DB2-BD59-A6C34878D82A}">
+                    <a16:rowId xmlns:a16="http://schemas.microsoft.com/office/drawing/2014/main" val="474064515"/>
+                  </a:ext>
+                </a:extLst>
+              </a:tr>
+              <a:tr h="370840">
+                <a:tc>
+                  <a:txBody>
+                    <a:bodyPr/>
+                    <a:lstStyle/>
+                    <a:p>
+                      <a:pPr algn="ctr"/>
+                      <a:r>
+                        <a:rPr lang="en-US" dirty="0">
+                          <a:latin typeface="Times New Roman" panose="02020603050405020304" pitchFamily="18" charset="0"/>
+                          <a:ea typeface="Cambria Math" panose="02040503050406030204" pitchFamily="18" charset="0"/>
+                          <a:cs typeface="Times New Roman" panose="02020603050405020304" pitchFamily="18" charset="0"/>
+                        </a:rPr>
+                        <a:t>Effective Irradiance</a:t>
+                      </a:r>
+                    </a:p>
+                  </a:txBody>
+                  <a:tcPr anchor="ctr"/>
+                </a:tc>
+                <a:tc>
+                  <a:txBody>
+                    <a:bodyPr/>
+                    <a:lstStyle/>
+                    <a:p>
+                      <a:pPr algn="ctr"/>
+                      <a:r>
+                        <a:rPr lang="en-US" dirty="0">
+                          <a:latin typeface="Times New Roman" panose="02020603050405020304" pitchFamily="18" charset="0"/>
+                          <a:ea typeface="Cambria Math" panose="02040503050406030204" pitchFamily="18" charset="0"/>
+                          <a:cs typeface="Times New Roman" panose="02020603050405020304" pitchFamily="18" charset="0"/>
+                        </a:rPr>
+                        <a:t>50 W/m</a:t>
+                      </a:r>
+                      <a:r>
+                        <a:rPr lang="en-US" baseline="30000" dirty="0">
+                          <a:latin typeface="Times New Roman" panose="02020603050405020304" pitchFamily="18" charset="0"/>
+                          <a:ea typeface="Cambria Math" panose="02040503050406030204" pitchFamily="18" charset="0"/>
+                          <a:cs typeface="Times New Roman" panose="02020603050405020304" pitchFamily="18" charset="0"/>
+                        </a:rPr>
+                        <a:t>2</a:t>
+                      </a:r>
+                      <a:endParaRPr lang="en-US" dirty="0">
+                        <a:latin typeface="Times New Roman" panose="02020603050405020304" pitchFamily="18" charset="0"/>
+                        <a:ea typeface="Cambria Math" panose="02040503050406030204" pitchFamily="18" charset="0"/>
+                        <a:cs typeface="Times New Roman" panose="02020603050405020304" pitchFamily="18" charset="0"/>
+                      </a:endParaRPr>
+                    </a:p>
+                  </a:txBody>
+                  <a:tcPr anchor="ctr"/>
+                </a:tc>
+                <a:tc>
+                  <a:txBody>
+                    <a:bodyPr/>
+                    <a:lstStyle/>
+                    <a:p>
+                      <a:pPr algn="ctr"/>
+                      <a:r>
+                        <a:rPr lang="en-US" dirty="0">
+                          <a:latin typeface="Times New Roman" panose="02020603050405020304" pitchFamily="18" charset="0"/>
+                          <a:ea typeface="Cambria Math" panose="02040503050406030204" pitchFamily="18" charset="0"/>
+                          <a:cs typeface="Times New Roman" panose="02020603050405020304" pitchFamily="18" charset="0"/>
+                        </a:rPr>
+                        <a:t>1200 W/m</a:t>
+                      </a:r>
+                      <a:r>
+                        <a:rPr lang="en-US" baseline="30000" dirty="0">
+                          <a:latin typeface="Times New Roman" panose="02020603050405020304" pitchFamily="18" charset="0"/>
+                          <a:ea typeface="Cambria Math" panose="02040503050406030204" pitchFamily="18" charset="0"/>
+                          <a:cs typeface="Times New Roman" panose="02020603050405020304" pitchFamily="18" charset="0"/>
+                        </a:rPr>
+                        <a:t>2</a:t>
+                      </a:r>
+                      <a:endParaRPr lang="en-US" dirty="0">
+                        <a:latin typeface="Times New Roman" panose="02020603050405020304" pitchFamily="18" charset="0"/>
+                        <a:ea typeface="Cambria Math" panose="02040503050406030204" pitchFamily="18" charset="0"/>
+                        <a:cs typeface="Times New Roman" panose="02020603050405020304" pitchFamily="18" charset="0"/>
+                      </a:endParaRPr>
+                    </a:p>
+                  </a:txBody>
+                  <a:tcPr anchor="ctr"/>
+                </a:tc>
+                <a:extLst>
+                  <a:ext uri="{0D108BD9-81ED-4DB2-BD59-A6C34878D82A}">
+                    <a16:rowId xmlns:a16="http://schemas.microsoft.com/office/drawing/2014/main" val="3851734934"/>
+                  </a:ext>
+                </a:extLst>
+              </a:tr>
+              <a:tr h="370840">
+                <a:tc>
+                  <a:txBody>
+                    <a:bodyPr/>
+                    <a:lstStyle/>
+                    <a:p>
+                      <a:pPr algn="ctr"/>
+                      <a:r>
+                        <a:rPr lang="en-US" dirty="0">
+                          <a:latin typeface="Times New Roman" panose="02020603050405020304" pitchFamily="18" charset="0"/>
+                          <a:ea typeface="Cambria Math" panose="02040503050406030204" pitchFamily="18" charset="0"/>
+                          <a:cs typeface="Times New Roman" panose="02020603050405020304" pitchFamily="18" charset="0"/>
+                        </a:rPr>
+                        <a:t>Cell Temperature</a:t>
+                      </a:r>
+                    </a:p>
+                  </a:txBody>
+                  <a:tcPr anchor="ctr"/>
+                </a:tc>
+                <a:tc>
+                  <a:txBody>
+                    <a:bodyPr/>
+                    <a:lstStyle/>
+                    <a:p>
+                      <a:pPr algn="ctr"/>
+                      <a:r>
+                        <a:rPr lang="en-US" dirty="0">
+                          <a:latin typeface="Times New Roman" panose="02020603050405020304" pitchFamily="18" charset="0"/>
+                          <a:ea typeface="Cambria Math" panose="02040503050406030204" pitchFamily="18" charset="0"/>
+                          <a:cs typeface="Times New Roman" panose="02020603050405020304" pitchFamily="18" charset="0"/>
+                        </a:rPr>
+                        <a:t>-40 C</a:t>
+                      </a:r>
+                    </a:p>
+                  </a:txBody>
+                  <a:tcPr anchor="ctr"/>
+                </a:tc>
+                <a:tc>
+                  <a:txBody>
+                    <a:bodyPr/>
+                    <a:lstStyle/>
+                    <a:p>
+                      <a:pPr algn="ctr"/>
+                      <a:r>
+                        <a:rPr lang="en-US" dirty="0">
+                          <a:latin typeface="Times New Roman" panose="02020603050405020304" pitchFamily="18" charset="0"/>
+                          <a:ea typeface="Cambria Math" panose="02040503050406030204" pitchFamily="18" charset="0"/>
+                          <a:cs typeface="Times New Roman" panose="02020603050405020304" pitchFamily="18" charset="0"/>
+                        </a:rPr>
+                        <a:t>85 C</a:t>
+                      </a:r>
+                    </a:p>
+                  </a:txBody>
+                  <a:tcPr anchor="ctr"/>
+                </a:tc>
+                <a:extLst>
+                  <a:ext uri="{0D108BD9-81ED-4DB2-BD59-A6C34878D82A}">
+                    <a16:rowId xmlns:a16="http://schemas.microsoft.com/office/drawing/2014/main" val="198322732"/>
+                  </a:ext>
+                </a:extLst>
+              </a:tr>
+              <a:tr h="370840">
+                <a:tc>
+                  <a:txBody>
+                    <a:bodyPr/>
+                    <a:lstStyle/>
+                    <a:p>
+                      <a:pPr algn="ctr"/>
+                      <a:r>
+                        <a:rPr lang="en-US" dirty="0">
+                          <a:latin typeface="Times New Roman" panose="02020603050405020304" pitchFamily="18" charset="0"/>
+                          <a:ea typeface="Cambria Math" panose="02040503050406030204" pitchFamily="18" charset="0"/>
+                          <a:cs typeface="Times New Roman" panose="02020603050405020304" pitchFamily="18" charset="0"/>
+                        </a:rPr>
+                        <a:t>Module Temperature</a:t>
+                      </a:r>
+                    </a:p>
+                  </a:txBody>
+                  <a:tcPr anchor="ctr"/>
+                </a:tc>
+                <a:tc>
+                  <a:txBody>
+                    <a:bodyPr/>
+                    <a:lstStyle/>
+                    <a:p>
+                      <a:pPr algn="ctr"/>
+                      <a:r>
+                        <a:rPr lang="en-US" dirty="0">
+                          <a:latin typeface="Times New Roman" panose="02020603050405020304" pitchFamily="18" charset="0"/>
+                          <a:ea typeface="Cambria Math" panose="02040503050406030204" pitchFamily="18" charset="0"/>
+                          <a:cs typeface="Times New Roman" panose="02020603050405020304" pitchFamily="18" charset="0"/>
+                        </a:rPr>
+                        <a:t>-40 C</a:t>
+                      </a:r>
+                    </a:p>
+                  </a:txBody>
+                  <a:tcPr anchor="ctr"/>
+                </a:tc>
+                <a:tc>
+                  <a:txBody>
+                    <a:bodyPr/>
+                    <a:lstStyle/>
+                    <a:p>
+                      <a:pPr algn="ctr"/>
+                      <a:r>
+                        <a:rPr lang="en-US" dirty="0">
+                          <a:latin typeface="Times New Roman" panose="02020603050405020304" pitchFamily="18" charset="0"/>
+                          <a:ea typeface="Cambria Math" panose="02040503050406030204" pitchFamily="18" charset="0"/>
+                          <a:cs typeface="Times New Roman" panose="02020603050405020304" pitchFamily="18" charset="0"/>
+                        </a:rPr>
+                        <a:t>85 C</a:t>
+                      </a:r>
+                    </a:p>
+                  </a:txBody>
+                  <a:tcPr anchor="ctr"/>
+                </a:tc>
+                <a:extLst>
+                  <a:ext uri="{0D108BD9-81ED-4DB2-BD59-A6C34878D82A}">
+                    <a16:rowId xmlns:a16="http://schemas.microsoft.com/office/drawing/2014/main" val="1101900259"/>
+                  </a:ext>
+                </a:extLst>
+              </a:tr>
+              <a:tr h="370840">
+                <a:tc>
+                  <a:txBody>
+                    <a:bodyPr/>
+                    <a:lstStyle/>
+                    <a:p>
+                      <a:pPr algn="ctr"/>
+                      <a:r>
+                        <a:rPr lang="en-US" dirty="0">
+                          <a:latin typeface="Times New Roman" panose="02020603050405020304" pitchFamily="18" charset="0"/>
+                          <a:ea typeface="Cambria Math" panose="02040503050406030204" pitchFamily="18" charset="0"/>
+                          <a:cs typeface="Times New Roman" panose="02020603050405020304" pitchFamily="18" charset="0"/>
+                        </a:rPr>
+                        <a:t>Ambient Temperature</a:t>
+                      </a:r>
+                    </a:p>
+                  </a:txBody>
+                  <a:tcPr anchor="ctr"/>
+                </a:tc>
+                <a:tc>
+                  <a:txBody>
+                    <a:bodyPr/>
+                    <a:lstStyle/>
+                    <a:p>
+                      <a:pPr algn="ctr"/>
+                      <a:r>
+                        <a:rPr lang="en-US" dirty="0">
+                          <a:latin typeface="Times New Roman" panose="02020603050405020304" pitchFamily="18" charset="0"/>
+                          <a:ea typeface="Cambria Math" panose="02040503050406030204" pitchFamily="18" charset="0"/>
+                          <a:cs typeface="Times New Roman" panose="02020603050405020304" pitchFamily="18" charset="0"/>
+                        </a:rPr>
+                        <a:t>-10 C</a:t>
+                      </a:r>
+                    </a:p>
+                  </a:txBody>
+                  <a:tcPr anchor="ctr"/>
+                </a:tc>
+                <a:tc>
+                  <a:txBody>
+                    <a:bodyPr/>
+                    <a:lstStyle/>
+                    <a:p>
+                      <a:pPr algn="ctr"/>
+                      <a:r>
+                        <a:rPr lang="en-US" dirty="0">
+                          <a:latin typeface="Times New Roman" panose="02020603050405020304" pitchFamily="18" charset="0"/>
+                          <a:ea typeface="Cambria Math" panose="02040503050406030204" pitchFamily="18" charset="0"/>
+                          <a:cs typeface="Times New Roman" panose="02020603050405020304" pitchFamily="18" charset="0"/>
+                        </a:rPr>
+                        <a:t>40 C</a:t>
+                      </a:r>
+                    </a:p>
+                  </a:txBody>
+                  <a:tcPr anchor="ctr"/>
+                </a:tc>
+                <a:extLst>
+                  <a:ext uri="{0D108BD9-81ED-4DB2-BD59-A6C34878D82A}">
+                    <a16:rowId xmlns:a16="http://schemas.microsoft.com/office/drawing/2014/main" val="2865813469"/>
+                  </a:ext>
+                </a:extLst>
+              </a:tr>
+            </a:tbl>
+          </a:graphicData>
+        </a:graphic>
+      </p:graphicFrame>
+    </p:spTree>
+    <p:extLst>
+      <p:ext uri="{BB962C8B-B14F-4D97-AF65-F5344CB8AC3E}">
+        <p14:creationId xmlns:p14="http://schemas.microsoft.com/office/powerpoint/2010/main" val="3197354514"/>
+      </p:ext>
+    </p:extLst>
+  </p:cSld>
+  <p:clrMapOvr>
+    <a:masterClrMapping/>
+  </p:clrMapOvr>
+</p:sld>
+</file>
+
+<file path=ppt/slides/slide5.xml><?xml version="1.0" encoding="utf-8"?>
+<p:sld xmlns:a="http://schemas.openxmlformats.org/drawingml/2006/main" xmlns:r="http://schemas.openxmlformats.org/officeDocument/2006/relationships" xmlns:p="http://schemas.openxmlformats.org/presentationml/2006/main">
+  <p:cSld>
+    <p:spTree>
+      <p:nvGrpSpPr>
+        <p:cNvPr id="1" name=""/>
+        <p:cNvGrpSpPr/>
+        <p:nvPr/>
+      </p:nvGrpSpPr>
+      <p:grpSpPr>
+        <a:xfrm>
+          <a:off x="0" y="0"/>
+          <a:ext cx="0" cy="0"/>
+          <a:chOff x="0" y="0"/>
+          <a:chExt cx="0" cy="0"/>
+        </a:xfrm>
+      </p:grpSpPr>
       <p:pic>
         <p:nvPicPr>
           <p:cNvPr id="5" name="Picture 4">
@@ -16662,7 +17188,7 @@
 </p:sld>
 </file>
 
-<file path=ppt/slides/slide5.xml><?xml version="1.0" encoding="utf-8"?>
+<file path=ppt/slides/slide6.xml><?xml version="1.0" encoding="utf-8"?>
 <p:sld xmlns:a="http://schemas.openxmlformats.org/drawingml/2006/main" xmlns:r="http://schemas.openxmlformats.org/officeDocument/2006/relationships" xmlns:p="http://schemas.openxmlformats.org/presentationml/2006/main">
   <p:cSld>
     <p:spTree>
@@ -16728,7 +17254,7 @@
 </p:sld>
 </file>
 
-<file path=ppt/slides/slide6.xml><?xml version="1.0" encoding="utf-8"?>
+<file path=ppt/slides/slide7.xml><?xml version="1.0" encoding="utf-8"?>
 <p:sld xmlns:a="http://schemas.openxmlformats.org/drawingml/2006/main" xmlns:r="http://schemas.openxmlformats.org/officeDocument/2006/relationships" xmlns:p="http://schemas.openxmlformats.org/presentationml/2006/main">
   <p:cSld>
     <p:spTree>
@@ -16794,7 +17320,7 @@
 </p:sld>
 </file>
 
-<file path=ppt/slides/slide7.xml><?xml version="1.0" encoding="utf-8"?>
+<file path=ppt/slides/slide8.xml><?xml version="1.0" encoding="utf-8"?>
 <p:sld xmlns:a="http://schemas.openxmlformats.org/drawingml/2006/main" xmlns:r="http://schemas.openxmlformats.org/officeDocument/2006/relationships" xmlns:p="http://schemas.openxmlformats.org/presentationml/2006/main">
   <p:cSld>
     <p:spTree>
@@ -17346,7 +17872,7 @@
 </p:sld>
 </file>
 
-<file path=ppt/slides/slide8.xml><?xml version="1.0" encoding="utf-8"?>
+<file path=ppt/slides/slide9.xml><?xml version="1.0" encoding="utf-8"?>
 <p:sld xmlns:a="http://schemas.openxmlformats.org/drawingml/2006/main" xmlns:r="http://schemas.openxmlformats.org/officeDocument/2006/relationships" xmlns:p="http://schemas.openxmlformats.org/presentationml/2006/main">
   <p:cSld>
     <p:spTree>
@@ -17403,72 +17929,6 @@
     <p:extLst>
       <p:ext uri="{BB962C8B-B14F-4D97-AF65-F5344CB8AC3E}">
         <p14:creationId xmlns:p14="http://schemas.microsoft.com/office/powerpoint/2010/main" val="1914579229"/>
-      </p:ext>
-    </p:extLst>
-  </p:cSld>
-  <p:clrMapOvr>
-    <a:masterClrMapping/>
-  </p:clrMapOvr>
-</p:sld>
-</file>
-
-<file path=ppt/slides/slide9.xml><?xml version="1.0" encoding="utf-8"?>
-<p:sld xmlns:a="http://schemas.openxmlformats.org/drawingml/2006/main" xmlns:r="http://schemas.openxmlformats.org/officeDocument/2006/relationships" xmlns:p="http://schemas.openxmlformats.org/presentationml/2006/main">
-  <p:cSld>
-    <p:spTree>
-      <p:nvGrpSpPr>
-        <p:cNvPr id="1" name=""/>
-        <p:cNvGrpSpPr/>
-        <p:nvPr/>
-      </p:nvGrpSpPr>
-      <p:grpSpPr>
-        <a:xfrm>
-          <a:off x="0" y="0"/>
-          <a:ext cx="0" cy="0"/>
-          <a:chOff x="0" y="0"/>
-          <a:chExt cx="0" cy="0"/>
-        </a:xfrm>
-      </p:grpSpPr>
-      <p:pic>
-        <p:nvPicPr>
-          <p:cNvPr id="3" name="Picture 2">
-            <a:extLst>
-              <a:ext uri="{FF2B5EF4-FFF2-40B4-BE49-F238E27FC236}">
-                <a16:creationId xmlns:a16="http://schemas.microsoft.com/office/drawing/2014/main" id="{204C6983-8027-4051-BBB6-6DCAEA8E6FD9}"/>
-              </a:ext>
-            </a:extLst>
-          </p:cNvPr>
-          <p:cNvPicPr>
-            <a:picLocks noChangeAspect="1"/>
-          </p:cNvPicPr>
-          <p:nvPr/>
-        </p:nvPicPr>
-        <p:blipFill>
-          <a:blip r:embed="rId3">
-            <a:extLst>
-              <a:ext uri="{28A0092B-C50C-407E-A947-70E740481C1C}">
-                <a14:useLocalDpi xmlns:a14="http://schemas.microsoft.com/office/drawing/2010/main" val="0"/>
-              </a:ext>
-            </a:extLst>
-          </a:blip>
-          <a:stretch>
-            <a:fillRect/>
-          </a:stretch>
-        </p:blipFill>
-        <p:spPr>
-          <a:xfrm>
-            <a:off x="711873" y="622651"/>
-            <a:ext cx="10768254" cy="5612698"/>
-          </a:xfrm>
-          <a:prstGeom prst="rect">
-            <a:avLst/>
-          </a:prstGeom>
-        </p:spPr>
-      </p:pic>
-    </p:spTree>
-    <p:extLst>
-      <p:ext uri="{BB962C8B-B14F-4D97-AF65-F5344CB8AC3E}">
-        <p14:creationId xmlns:p14="http://schemas.microsoft.com/office/powerpoint/2010/main" val="314297604"/>
       </p:ext>
     </p:extLst>
   </p:cSld>

--- a/All Graphs.pptx
+++ b/All Graphs.pptx
@@ -5,7 +5,7 @@
     <p:sldMasterId id="2147483648" r:id="rId1"/>
   </p:sldMasterIdLst>
   <p:notesMasterIdLst>
-    <p:notesMasterId r:id="rId16"/>
+    <p:notesMasterId r:id="rId19"/>
   </p:notesMasterIdLst>
   <p:sldIdLst>
     <p:sldId id="265" r:id="rId2"/>
@@ -21,7 +21,10 @@
     <p:sldId id="262" r:id="rId12"/>
     <p:sldId id="267" r:id="rId13"/>
     <p:sldId id="269" r:id="rId14"/>
-    <p:sldId id="273" r:id="rId15"/>
+    <p:sldId id="276" r:id="rId15"/>
+    <p:sldId id="273" r:id="rId16"/>
+    <p:sldId id="274" r:id="rId17"/>
+    <p:sldId id="275" r:id="rId18"/>
   </p:sldIdLst>
   <p:sldSz cx="12192000" cy="6858000"/>
   <p:notesSz cx="6858000" cy="9144000"/>
@@ -12569,13 +12572,13 @@
           <p:nvPr>
             <p:extLst>
               <p:ext uri="{D42A27DB-BD31-4B8C-83A1-F6EECF244321}">
-                <p14:modId xmlns:p14="http://schemas.microsoft.com/office/powerpoint/2010/main" val="305665251"/>
+                <p14:modId xmlns:p14="http://schemas.microsoft.com/office/powerpoint/2010/main" val="2835243417"/>
               </p:ext>
             </p:extLst>
           </p:nvPr>
         </p:nvGraphicFramePr>
         <p:xfrm>
-          <a:off x="130573" y="190459"/>
+          <a:off x="1843963" y="119438"/>
           <a:ext cx="8699382" cy="6417577"/>
         </p:xfrm>
         <a:graphic>
@@ -12597,13 +12600,13 @@
           <p:nvPr>
             <p:extLst>
               <p:ext uri="{D42A27DB-BD31-4B8C-83A1-F6EECF244321}">
-                <p14:modId xmlns:p14="http://schemas.microsoft.com/office/powerpoint/2010/main" val="2158358023"/>
+                <p14:modId xmlns:p14="http://schemas.microsoft.com/office/powerpoint/2010/main" val="3183240564"/>
               </p:ext>
             </p:extLst>
           </p:nvPr>
         </p:nvGraphicFramePr>
         <p:xfrm>
-          <a:off x="130573" y="2372121"/>
+          <a:off x="1843963" y="2301100"/>
           <a:ext cx="8699382" cy="6417577"/>
         </p:xfrm>
         <a:graphic>
@@ -12625,13 +12628,13 @@
           <p:nvPr>
             <p:extLst>
               <p:ext uri="{D42A27DB-BD31-4B8C-83A1-F6EECF244321}">
-                <p14:modId xmlns:p14="http://schemas.microsoft.com/office/powerpoint/2010/main" val="2250202527"/>
+                <p14:modId xmlns:p14="http://schemas.microsoft.com/office/powerpoint/2010/main" val="3201239376"/>
               </p:ext>
             </p:extLst>
           </p:nvPr>
         </p:nvGraphicFramePr>
         <p:xfrm>
-          <a:off x="130573" y="-1991204"/>
+          <a:off x="1843963" y="-2062225"/>
           <a:ext cx="8699382" cy="6417577"/>
         </p:xfrm>
         <a:graphic>
@@ -12654,7 +12657,7 @@
         </p:nvSpPr>
         <p:spPr>
           <a:xfrm>
-            <a:off x="130573" y="260609"/>
+            <a:off x="1843963" y="189588"/>
             <a:ext cx="2286000" cy="369332"/>
           </a:xfrm>
           <a:prstGeom prst="rect">
@@ -12693,7 +12696,7 @@
         </p:nvSpPr>
         <p:spPr>
           <a:xfrm>
-            <a:off x="130573" y="2513165"/>
+            <a:off x="1843963" y="2442144"/>
             <a:ext cx="2286000" cy="369332"/>
           </a:xfrm>
           <a:prstGeom prst="rect">
@@ -12737,7 +12740,7 @@
         </p:nvSpPr>
         <p:spPr>
           <a:xfrm>
-            <a:off x="130573" y="4694827"/>
+            <a:off x="1843963" y="4623806"/>
             <a:ext cx="2286000" cy="369332"/>
           </a:xfrm>
           <a:prstGeom prst="rect">
@@ -12926,10 +12929,10 @@
       </p:grpSpPr>
       <p:pic>
         <p:nvPicPr>
-          <p:cNvPr id="3" name="Picture 2">
+          <p:cNvPr id="5" name="Picture 4">
             <a:extLst>
               <a:ext uri="{FF2B5EF4-FFF2-40B4-BE49-F238E27FC236}">
-                <a16:creationId xmlns:a16="http://schemas.microsoft.com/office/drawing/2014/main" id="{0E44ADAB-48E5-48FD-B9C5-88C3D240C2EC}"/>
+                <a16:creationId xmlns:a16="http://schemas.microsoft.com/office/drawing/2014/main" id="{F4FAC131-F17B-46E3-9AE8-7921A8C34280}"/>
               </a:ext>
             </a:extLst>
           </p:cNvPr>
@@ -12992,10 +12995,10 @@
       </p:grpSpPr>
       <p:pic>
         <p:nvPicPr>
-          <p:cNvPr id="3" name="Picture 2">
+          <p:cNvPr id="5" name="Picture 4">
             <a:extLst>
               <a:ext uri="{FF2B5EF4-FFF2-40B4-BE49-F238E27FC236}">
-                <a16:creationId xmlns:a16="http://schemas.microsoft.com/office/drawing/2014/main" id="{71DB0F09-5DD2-4BA6-83C4-6D8395D3F530}"/>
+                <a16:creationId xmlns:a16="http://schemas.microsoft.com/office/drawing/2014/main" id="{7DDDCA98-9673-48A1-BA12-CB79D28075B0}"/>
               </a:ext>
             </a:extLst>
           </p:cNvPr>
@@ -13061,7 +13064,7 @@
           <p:cNvPr id="3" name="Picture 2">
             <a:extLst>
               <a:ext uri="{FF2B5EF4-FFF2-40B4-BE49-F238E27FC236}">
-                <a16:creationId xmlns:a16="http://schemas.microsoft.com/office/drawing/2014/main" id="{7B125E21-BFED-4B63-A87E-3AF0D62859F5}"/>
+                <a16:creationId xmlns:a16="http://schemas.microsoft.com/office/drawing/2014/main" id="{934E6CC7-1D8E-4892-81CD-11C6A9E46439}"/>
               </a:ext>
             </a:extLst>
           </p:cNvPr>
@@ -13092,10 +13095,350 @@
           </a:prstGeom>
         </p:spPr>
       </p:pic>
+      <p:sp>
+        <p:nvSpPr>
+          <p:cNvPr id="4" name="TextBox 3">
+            <a:extLst>
+              <a:ext uri="{FF2B5EF4-FFF2-40B4-BE49-F238E27FC236}">
+                <a16:creationId xmlns:a16="http://schemas.microsoft.com/office/drawing/2014/main" id="{8A46D9CC-0957-4294-99DA-109B8D469A04}"/>
+              </a:ext>
+            </a:extLst>
+          </p:cNvPr>
+          <p:cNvSpPr txBox="1"/>
+          <p:nvPr/>
+        </p:nvSpPr>
+        <p:spPr>
+          <a:xfrm>
+            <a:off x="4412199" y="606110"/>
+            <a:ext cx="808106" cy="307777"/>
+          </a:xfrm>
+          <a:prstGeom prst="rect">
+            <a:avLst/>
+          </a:prstGeom>
+          <a:noFill/>
+        </p:spPr>
+        <p:txBody>
+          <a:bodyPr wrap="none" rtlCol="0">
+            <a:spAutoFit/>
+          </a:bodyPr>
+          <a:lstStyle/>
+          <a:p>
+            <a:r>
+              <a:rPr lang="en-US" sz="1400" dirty="0" err="1"/>
+              <a:t>PVWatts</a:t>
+            </a:r>
+            <a:endParaRPr lang="en-US" sz="1400" dirty="0"/>
+          </a:p>
+        </p:txBody>
+      </p:sp>
+    </p:spTree>
+    <p:extLst>
+      <p:ext uri="{BB962C8B-B14F-4D97-AF65-F5344CB8AC3E}">
+        <p14:creationId xmlns:p14="http://schemas.microsoft.com/office/powerpoint/2010/main" val="3794523367"/>
+      </p:ext>
+    </p:extLst>
+  </p:cSld>
+  <p:clrMapOvr>
+    <a:masterClrMapping/>
+  </p:clrMapOvr>
+</p:sld>
+</file>
+
+<file path=ppt/slides/slide15.xml><?xml version="1.0" encoding="utf-8"?>
+<p:sld xmlns:a="http://schemas.openxmlformats.org/drawingml/2006/main" xmlns:r="http://schemas.openxmlformats.org/officeDocument/2006/relationships" xmlns:p="http://schemas.openxmlformats.org/presentationml/2006/main">
+  <p:cSld>
+    <p:spTree>
+      <p:nvGrpSpPr>
+        <p:cNvPr id="1" name=""/>
+        <p:cNvGrpSpPr/>
+        <p:nvPr/>
+      </p:nvGrpSpPr>
+      <p:grpSpPr>
+        <a:xfrm>
+          <a:off x="0" y="0"/>
+          <a:ext cx="0" cy="0"/>
+          <a:chOff x="0" y="0"/>
+          <a:chExt cx="0" cy="0"/>
+        </a:xfrm>
+      </p:grpSpPr>
+      <p:pic>
+        <p:nvPicPr>
+          <p:cNvPr id="6" name="Picture 5">
+            <a:extLst>
+              <a:ext uri="{FF2B5EF4-FFF2-40B4-BE49-F238E27FC236}">
+                <a16:creationId xmlns:a16="http://schemas.microsoft.com/office/drawing/2014/main" id="{EBA95229-DF59-45C8-AC13-3A5B08F34500}"/>
+              </a:ext>
+            </a:extLst>
+          </p:cNvPr>
+          <p:cNvPicPr>
+            <a:picLocks noChangeAspect="1"/>
+          </p:cNvPicPr>
+          <p:nvPr/>
+        </p:nvPicPr>
+        <p:blipFill>
+          <a:blip r:embed="rId2">
+            <a:extLst>
+              <a:ext uri="{28A0092B-C50C-407E-A947-70E740481C1C}">
+                <a14:useLocalDpi xmlns:a14="http://schemas.microsoft.com/office/drawing/2010/main" val="0"/>
+              </a:ext>
+            </a:extLst>
+          </a:blip>
+          <a:stretch>
+            <a:fillRect/>
+          </a:stretch>
+        </p:blipFill>
+        <p:spPr>
+          <a:xfrm>
+            <a:off x="711873" y="622651"/>
+            <a:ext cx="10768254" cy="5612698"/>
+          </a:xfrm>
+          <a:prstGeom prst="rect">
+            <a:avLst/>
+          </a:prstGeom>
+        </p:spPr>
+      </p:pic>
+      <p:sp>
+        <p:nvSpPr>
+          <p:cNvPr id="4" name="TextBox 3">
+            <a:extLst>
+              <a:ext uri="{FF2B5EF4-FFF2-40B4-BE49-F238E27FC236}">
+                <a16:creationId xmlns:a16="http://schemas.microsoft.com/office/drawing/2014/main" id="{9A48C055-6ADC-499C-B700-F9B04EB5ACD5}"/>
+              </a:ext>
+            </a:extLst>
+          </p:cNvPr>
+          <p:cNvSpPr txBox="1"/>
+          <p:nvPr/>
+        </p:nvSpPr>
+        <p:spPr>
+          <a:xfrm>
+            <a:off x="4714042" y="606110"/>
+            <a:ext cx="463075" cy="307777"/>
+          </a:xfrm>
+          <a:prstGeom prst="rect">
+            <a:avLst/>
+          </a:prstGeom>
+          <a:noFill/>
+        </p:spPr>
+        <p:txBody>
+          <a:bodyPr wrap="none" rtlCol="0">
+            <a:spAutoFit/>
+          </a:bodyPr>
+          <a:lstStyle/>
+          <a:p>
+            <a:r>
+              <a:rPr lang="en-US" sz="1400" dirty="0"/>
+              <a:t>CEC</a:t>
+            </a:r>
+          </a:p>
+        </p:txBody>
+      </p:sp>
     </p:spTree>
     <p:extLst>
       <p:ext uri="{BB962C8B-B14F-4D97-AF65-F5344CB8AC3E}">
         <p14:creationId xmlns:p14="http://schemas.microsoft.com/office/powerpoint/2010/main" val="3040938375"/>
+      </p:ext>
+    </p:extLst>
+  </p:cSld>
+  <p:clrMapOvr>
+    <a:masterClrMapping/>
+  </p:clrMapOvr>
+</p:sld>
+</file>
+
+<file path=ppt/slides/slide16.xml><?xml version="1.0" encoding="utf-8"?>
+<p:sld xmlns:a="http://schemas.openxmlformats.org/drawingml/2006/main" xmlns:r="http://schemas.openxmlformats.org/officeDocument/2006/relationships" xmlns:p="http://schemas.openxmlformats.org/presentationml/2006/main">
+  <p:cSld>
+    <p:spTree>
+      <p:nvGrpSpPr>
+        <p:cNvPr id="1" name=""/>
+        <p:cNvGrpSpPr/>
+        <p:nvPr/>
+      </p:nvGrpSpPr>
+      <p:grpSpPr>
+        <a:xfrm>
+          <a:off x="0" y="0"/>
+          <a:ext cx="0" cy="0"/>
+          <a:chOff x="0" y="0"/>
+          <a:chExt cx="0" cy="0"/>
+        </a:xfrm>
+      </p:grpSpPr>
+      <p:pic>
+        <p:nvPicPr>
+          <p:cNvPr id="7" name="Picture 6">
+            <a:extLst>
+              <a:ext uri="{FF2B5EF4-FFF2-40B4-BE49-F238E27FC236}">
+                <a16:creationId xmlns:a16="http://schemas.microsoft.com/office/drawing/2014/main" id="{EDF566F4-C8C7-4F1A-89D7-324E17AAABA3}"/>
+              </a:ext>
+            </a:extLst>
+          </p:cNvPr>
+          <p:cNvPicPr>
+            <a:picLocks noChangeAspect="1"/>
+          </p:cNvPicPr>
+          <p:nvPr/>
+        </p:nvPicPr>
+        <p:blipFill>
+          <a:blip r:embed="rId2">
+            <a:extLst>
+              <a:ext uri="{28A0092B-C50C-407E-A947-70E740481C1C}">
+                <a14:useLocalDpi xmlns:a14="http://schemas.microsoft.com/office/drawing/2010/main" val="0"/>
+              </a:ext>
+            </a:extLst>
+          </a:blip>
+          <a:stretch>
+            <a:fillRect/>
+          </a:stretch>
+        </p:blipFill>
+        <p:spPr>
+          <a:xfrm>
+            <a:off x="711873" y="622651"/>
+            <a:ext cx="10768254" cy="5612698"/>
+          </a:xfrm>
+          <a:prstGeom prst="rect">
+            <a:avLst/>
+          </a:prstGeom>
+        </p:spPr>
+      </p:pic>
+      <p:sp>
+        <p:nvSpPr>
+          <p:cNvPr id="5" name="TextBox 4">
+            <a:extLst>
+              <a:ext uri="{FF2B5EF4-FFF2-40B4-BE49-F238E27FC236}">
+                <a16:creationId xmlns:a16="http://schemas.microsoft.com/office/drawing/2014/main" id="{A4619939-1CA5-400F-BD7C-4C76E038A088}"/>
+              </a:ext>
+            </a:extLst>
+          </p:cNvPr>
+          <p:cNvSpPr txBox="1"/>
+          <p:nvPr/>
+        </p:nvSpPr>
+        <p:spPr>
+          <a:xfrm>
+            <a:off x="4483214" y="606110"/>
+            <a:ext cx="703911" cy="307777"/>
+          </a:xfrm>
+          <a:prstGeom prst="rect">
+            <a:avLst/>
+          </a:prstGeom>
+          <a:noFill/>
+        </p:spPr>
+        <p:txBody>
+          <a:bodyPr wrap="none" rtlCol="0">
+            <a:spAutoFit/>
+          </a:bodyPr>
+          <a:lstStyle/>
+          <a:p>
+            <a:r>
+              <a:rPr lang="en-US" sz="1400" dirty="0"/>
+              <a:t>Desoto</a:t>
+            </a:r>
+          </a:p>
+        </p:txBody>
+      </p:sp>
+    </p:spTree>
+    <p:extLst>
+      <p:ext uri="{BB962C8B-B14F-4D97-AF65-F5344CB8AC3E}">
+        <p14:creationId xmlns:p14="http://schemas.microsoft.com/office/powerpoint/2010/main" val="208742107"/>
+      </p:ext>
+    </p:extLst>
+  </p:cSld>
+  <p:clrMapOvr>
+    <a:masterClrMapping/>
+  </p:clrMapOvr>
+</p:sld>
+</file>
+
+<file path=ppt/slides/slide17.xml><?xml version="1.0" encoding="utf-8"?>
+<p:sld xmlns:a="http://schemas.openxmlformats.org/drawingml/2006/main" xmlns:r="http://schemas.openxmlformats.org/officeDocument/2006/relationships" xmlns:p="http://schemas.openxmlformats.org/presentationml/2006/main">
+  <p:cSld>
+    <p:spTree>
+      <p:nvGrpSpPr>
+        <p:cNvPr id="1" name=""/>
+        <p:cNvGrpSpPr/>
+        <p:nvPr/>
+      </p:nvGrpSpPr>
+      <p:grpSpPr>
+        <a:xfrm>
+          <a:off x="0" y="0"/>
+          <a:ext cx="0" cy="0"/>
+          <a:chOff x="0" y="0"/>
+          <a:chExt cx="0" cy="0"/>
+        </a:xfrm>
+      </p:grpSpPr>
+      <p:pic>
+        <p:nvPicPr>
+          <p:cNvPr id="6" name="Picture 5">
+            <a:extLst>
+              <a:ext uri="{FF2B5EF4-FFF2-40B4-BE49-F238E27FC236}">
+                <a16:creationId xmlns:a16="http://schemas.microsoft.com/office/drawing/2014/main" id="{3A36FBDD-1D38-4AE0-BFC0-22818B481DDB}"/>
+              </a:ext>
+            </a:extLst>
+          </p:cNvPr>
+          <p:cNvPicPr>
+            <a:picLocks noChangeAspect="1"/>
+          </p:cNvPicPr>
+          <p:nvPr/>
+        </p:nvPicPr>
+        <p:blipFill>
+          <a:blip r:embed="rId2">
+            <a:extLst>
+              <a:ext uri="{28A0092B-C50C-407E-A947-70E740481C1C}">
+                <a14:useLocalDpi xmlns:a14="http://schemas.microsoft.com/office/drawing/2010/main" val="0"/>
+              </a:ext>
+            </a:extLst>
+          </a:blip>
+          <a:stretch>
+            <a:fillRect/>
+          </a:stretch>
+        </p:blipFill>
+        <p:spPr>
+          <a:xfrm>
+            <a:off x="711873" y="622651"/>
+            <a:ext cx="10768254" cy="5612698"/>
+          </a:xfrm>
+          <a:prstGeom prst="rect">
+            <a:avLst/>
+          </a:prstGeom>
+        </p:spPr>
+      </p:pic>
+      <p:sp>
+        <p:nvSpPr>
+          <p:cNvPr id="4" name="TextBox 3">
+            <a:extLst>
+              <a:ext uri="{FF2B5EF4-FFF2-40B4-BE49-F238E27FC236}">
+                <a16:creationId xmlns:a16="http://schemas.microsoft.com/office/drawing/2014/main" id="{A04C527C-D008-4E8C-8B7D-BD78BEF89BC5}"/>
+              </a:ext>
+            </a:extLst>
+          </p:cNvPr>
+          <p:cNvSpPr txBox="1"/>
+          <p:nvPr/>
+        </p:nvSpPr>
+        <p:spPr>
+          <a:xfrm>
+            <a:off x="4545360" y="606110"/>
+            <a:ext cx="667427" cy="307777"/>
+          </a:xfrm>
+          <a:prstGeom prst="rect">
+            <a:avLst/>
+          </a:prstGeom>
+          <a:noFill/>
+        </p:spPr>
+        <p:txBody>
+          <a:bodyPr wrap="none" rtlCol="0">
+            <a:spAutoFit/>
+          </a:bodyPr>
+          <a:lstStyle/>
+          <a:p>
+            <a:r>
+              <a:rPr lang="en-US" sz="1400" dirty="0" err="1"/>
+              <a:t>PVSyst</a:t>
+            </a:r>
+            <a:endParaRPr lang="en-US" sz="1400" dirty="0"/>
+          </a:p>
+        </p:txBody>
+      </p:sp>
+    </p:spTree>
+    <p:extLst>
+      <p:ext uri="{BB962C8B-B14F-4D97-AF65-F5344CB8AC3E}">
+        <p14:creationId xmlns:p14="http://schemas.microsoft.com/office/powerpoint/2010/main" val="2482814079"/>
       </p:ext>
     </p:extLst>
   </p:cSld>
@@ -16639,13 +16982,13 @@
           <p:nvPr>
             <p:extLst>
               <p:ext uri="{D42A27DB-BD31-4B8C-83A1-F6EECF244321}">
-                <p14:modId xmlns:p14="http://schemas.microsoft.com/office/powerpoint/2010/main" val="89876074"/>
+                <p14:modId xmlns:p14="http://schemas.microsoft.com/office/powerpoint/2010/main" val="2639100685"/>
               </p:ext>
             </p:extLst>
           </p:nvPr>
         </p:nvGraphicFramePr>
         <p:xfrm>
-          <a:off x="365958" y="1328904"/>
+          <a:off x="3180179" y="1204616"/>
           <a:ext cx="4555230" cy="3840480"/>
         </p:xfrm>
         <a:graphic>
